--- a/AI와 LangChain과 LangGraph와 Agent.pptx
+++ b/AI와 LangChain과 LangGraph와 Agent.pptx
@@ -115,6 +115,11 @@
       </a:defRPr>
     </a:lvl9pPr>
   </p:defaultTextStyle>
+  <p:extLst>
+    <p:ext uri="{EFAFB233-063F-42B5-8137-9DF3F51BA10A}">
+      <p15:sldGuideLst xmlns:p15="http://schemas.microsoft.com/office/powerpoint/2012/main"/>
+    </p:ext>
+  </p:extLst>
 </p:presentation>
 </file>
 
@@ -3685,7 +3690,7 @@
         <p:spPr>
           <a:xfrm>
             <a:off x="838200" y="3340440"/>
-            <a:ext cx="10515600" cy="542382"/>
+            <a:ext cx="10515600" cy="795434"/>
           </a:xfrm>
           <a:prstGeom prst="rect">
             <a:avLst/>
@@ -3903,9 +3908,69 @@
               <a:rPr lang="en-US" altLang="ko-KR" sz="1200" dirty="0"/>
               <a:t>.</a:t>
             </a:r>
-          </a:p>
-          <a:p>
-            <a:endParaRPr lang="ko-KR" altLang="en-US" sz="1600" dirty="0"/>
+            <a:r>
+              <a:rPr lang="ko-KR" altLang="en-US" sz="1200" b="1" dirty="0"/>
+              <a:t> </a:t>
+            </a:r>
+            <a:endParaRPr lang="en-US" altLang="ko-KR" sz="1200" b="1" dirty="0"/>
+          </a:p>
+          <a:p>
+            <a:pPr lvl="1"/>
+            <a:r>
+              <a:rPr lang="ko-KR" altLang="en-US" sz="1200" b="1" dirty="0"/>
+              <a:t>비유</a:t>
+            </a:r>
+            <a:r>
+              <a:rPr lang="en-US" altLang="ko-KR" sz="1200" dirty="0"/>
+              <a:t>: </a:t>
+            </a:r>
+            <a:r>
+              <a:rPr lang="ko-KR" altLang="en-US" sz="1200" dirty="0"/>
+              <a:t>상태는 </a:t>
+            </a:r>
+            <a:r>
+              <a:rPr lang="ko-KR" altLang="en-US" sz="1200" b="1" dirty="0"/>
+              <a:t>회사의 공유 문서함</a:t>
+            </a:r>
+            <a:r>
+              <a:rPr lang="ko-KR" altLang="en-US" sz="1200" dirty="0"/>
+              <a:t>입니다</a:t>
+            </a:r>
+            <a:r>
+              <a:rPr lang="en-US" altLang="ko-KR" sz="1200" dirty="0"/>
+              <a:t>. </a:t>
+            </a:r>
+            <a:r>
+              <a:rPr lang="ko-KR" altLang="en-US" sz="1200" dirty="0"/>
+              <a:t>모든 직원</a:t>
+            </a:r>
+            <a:r>
+              <a:rPr lang="en-US" altLang="ko-KR" sz="1200" dirty="0"/>
+              <a:t>(</a:t>
+            </a:r>
+            <a:r>
+              <a:rPr lang="ko-KR" altLang="en-US" sz="1200" dirty="0"/>
+              <a:t>노드</a:t>
+            </a:r>
+            <a:r>
+              <a:rPr lang="en-US" altLang="ko-KR" sz="1200" dirty="0"/>
+              <a:t>)</a:t>
+            </a:r>
+            <a:r>
+              <a:rPr lang="ko-KR" altLang="en-US" sz="1200" dirty="0"/>
+              <a:t>이 문서를 읽고 수정할 수 있습니다</a:t>
+            </a:r>
+            <a:r>
+              <a:rPr lang="en-US" altLang="ko-KR" sz="1200" dirty="0"/>
+              <a:t>.</a:t>
+            </a:r>
+          </a:p>
+          <a:p>
+            <a:pPr lvl="1"/>
+            <a:endParaRPr lang="en-US" altLang="ko-KR" sz="1000" dirty="0"/>
+          </a:p>
+          <a:p>
+            <a:endParaRPr lang="ko-KR" altLang="en-US" sz="1100" dirty="0"/>
           </a:p>
         </p:txBody>
       </p:sp>
@@ -3931,7 +3996,7 @@
         </p:blipFill>
         <p:spPr>
           <a:xfrm>
-            <a:off x="1090448" y="3929478"/>
+            <a:off x="1090448" y="4099839"/>
             <a:ext cx="3584139" cy="1851625"/>
           </a:xfrm>
           <a:prstGeom prst="rect">
@@ -3961,7 +4026,7 @@
         </p:blipFill>
         <p:spPr>
           <a:xfrm>
-            <a:off x="5360275" y="3929478"/>
+            <a:off x="5213917" y="4099838"/>
             <a:ext cx="6392131" cy="1851625"/>
           </a:xfrm>
           <a:prstGeom prst="rect">
